--- a/tutorials/pipelines/tut_a_fun_bud/vector files/fig04_big.pptx
+++ b/tutorials/pipelines/tut_a_fun_bud/vector files/fig04_big.pptx
@@ -2975,10 +2975,10 @@
       </p:grpSpPr>
       <p:grpSp>
         <p:nvGrpSpPr>
-          <p:cNvPr id="19" name="Group 18">
+          <p:cNvPr id="9" name="Group 8">
             <a:extLst>
               <a:ext uri="{FF2B5EF4-FFF2-40B4-BE49-F238E27FC236}">
-                <a16:creationId xmlns:a16="http://schemas.microsoft.com/office/drawing/2014/main" id="{DD3BF7E7-486D-A58F-5D27-7AB0FE86EC22}"/>
+                <a16:creationId xmlns:a16="http://schemas.microsoft.com/office/drawing/2014/main" id="{1A548C58-0228-343C-76AF-226A8479FD52}"/>
               </a:ext>
             </a:extLst>
           </p:cNvPr>
@@ -2987,385 +2987,405 @@
         </p:nvGrpSpPr>
         <p:grpSpPr>
           <a:xfrm>
-            <a:off x="-1" y="0"/>
-            <a:ext cx="8778875" cy="4834890"/>
-            <a:chOff x="878427" y="0"/>
-            <a:chExt cx="8166691" cy="4323318"/>
+            <a:off x="-1" y="-11429"/>
+            <a:ext cx="8778876" cy="5362791"/>
+            <a:chOff x="-737306" y="-8891"/>
+            <a:chExt cx="10239395" cy="6390029"/>
           </a:xfrm>
         </p:grpSpPr>
-        <p:pic>
-          <p:nvPicPr>
-            <p:cNvPr id="12" name="Picture 11">
+        <p:grpSp>
+          <p:nvGrpSpPr>
+            <p:cNvPr id="8" name="Group 7">
               <a:extLst>
                 <a:ext uri="{FF2B5EF4-FFF2-40B4-BE49-F238E27FC236}">
-                  <a16:creationId xmlns:a16="http://schemas.microsoft.com/office/drawing/2014/main" id="{8F2F69A7-31DC-49CF-1F73-82CBA41262C4}"/>
+                  <a16:creationId xmlns:a16="http://schemas.microsoft.com/office/drawing/2014/main" id="{4B1212B5-4EB1-EFE3-7C57-37BBFEE6BF12}"/>
                 </a:ext>
               </a:extLst>
             </p:cNvPr>
-            <p:cNvPicPr>
-              <a:picLocks noChangeAspect="1"/>
-            </p:cNvPicPr>
+            <p:cNvGrpSpPr/>
             <p:nvPr/>
-          </p:nvPicPr>
-          <p:blipFill>
-            <a:blip r:embed="rId2"/>
-            <a:stretch>
-              <a:fillRect/>
-            </a:stretch>
-          </p:blipFill>
+          </p:nvGrpSpPr>
+          <p:grpSpPr>
+            <a:xfrm>
+              <a:off x="-737306" y="-8891"/>
+              <a:ext cx="10239395" cy="6390029"/>
+              <a:chOff x="-737306" y="-8891"/>
+              <a:chExt cx="10239395" cy="6390029"/>
+            </a:xfrm>
+          </p:grpSpPr>
+          <p:pic>
+            <p:nvPicPr>
+              <p:cNvPr id="6" name="Picture 5">
+                <a:extLst>
+                  <a:ext uri="{FF2B5EF4-FFF2-40B4-BE49-F238E27FC236}">
+                    <a16:creationId xmlns:a16="http://schemas.microsoft.com/office/drawing/2014/main" id="{70DA8E3B-7EC4-B46B-DC4B-835A22BDE61D}"/>
+                  </a:ext>
+                </a:extLst>
+              </p:cNvPr>
+              <p:cNvPicPr>
+                <a:picLocks noChangeAspect="1"/>
+              </p:cNvPicPr>
+              <p:nvPr/>
+            </p:nvPicPr>
+            <p:blipFill rotWithShape="1">
+              <a:blip r:embed="rId2"/>
+              <a:srcRect r="235" b="538"/>
+              <a:stretch/>
+            </p:blipFill>
+            <p:spPr>
+              <a:xfrm>
+                <a:off x="3532238" y="-8891"/>
+                <a:ext cx="5969851" cy="5456878"/>
+              </a:xfrm>
+              <a:prstGeom prst="rect">
+                <a:avLst/>
+              </a:prstGeom>
+            </p:spPr>
+          </p:pic>
+          <p:pic>
+            <p:nvPicPr>
+              <p:cNvPr id="4" name="Picture 3">
+                <a:extLst>
+                  <a:ext uri="{FF2B5EF4-FFF2-40B4-BE49-F238E27FC236}">
+                    <a16:creationId xmlns:a16="http://schemas.microsoft.com/office/drawing/2014/main" id="{7036F6CC-5A46-DF53-EB99-FE36A1D3A4DD}"/>
+                  </a:ext>
+                </a:extLst>
+              </p:cNvPr>
+              <p:cNvPicPr>
+                <a:picLocks noChangeAspect="1"/>
+              </p:cNvPicPr>
+              <p:nvPr/>
+            </p:nvPicPr>
+            <p:blipFill>
+              <a:blip r:embed="rId3"/>
+              <a:stretch>
+                <a:fillRect/>
+              </a:stretch>
+            </p:blipFill>
+            <p:spPr>
+              <a:xfrm>
+                <a:off x="1394926" y="-5716"/>
+                <a:ext cx="2173045" cy="5486400"/>
+              </a:xfrm>
+              <a:prstGeom prst="rect">
+                <a:avLst/>
+              </a:prstGeom>
+            </p:spPr>
+          </p:pic>
+          <p:pic>
+            <p:nvPicPr>
+              <p:cNvPr id="2" name="Picture 1">
+                <a:extLst>
+                  <a:ext uri="{FF2B5EF4-FFF2-40B4-BE49-F238E27FC236}">
+                    <a16:creationId xmlns:a16="http://schemas.microsoft.com/office/drawing/2014/main" id="{8E4412EA-7FD5-9A30-1713-FBA43B5513A5}"/>
+                  </a:ext>
+                </a:extLst>
+              </p:cNvPr>
+              <p:cNvPicPr>
+                <a:picLocks noChangeAspect="1"/>
+              </p:cNvPicPr>
+              <p:nvPr/>
+            </p:nvPicPr>
+            <p:blipFill rotWithShape="1">
+              <a:blip r:embed="rId4"/>
+              <a:srcRect l="761" t="95" r="276" b="-1"/>
+              <a:stretch/>
+            </p:blipFill>
+            <p:spPr>
+              <a:xfrm>
+                <a:off x="-737306" y="-1"/>
+                <a:ext cx="2139852" cy="5486401"/>
+              </a:xfrm>
+              <a:prstGeom prst="rect">
+                <a:avLst/>
+              </a:prstGeom>
+            </p:spPr>
+          </p:pic>
+          <p:pic>
+            <p:nvPicPr>
+              <p:cNvPr id="5" name="Picture 4">
+                <a:extLst>
+                  <a:ext uri="{FF2B5EF4-FFF2-40B4-BE49-F238E27FC236}">
+                    <a16:creationId xmlns:a16="http://schemas.microsoft.com/office/drawing/2014/main" id="{0F9D9C45-BFDD-DD73-762A-8F920508DE7D}"/>
+                  </a:ext>
+                </a:extLst>
+              </p:cNvPr>
+              <p:cNvPicPr>
+                <a:picLocks noChangeAspect="1"/>
+              </p:cNvPicPr>
+              <p:nvPr/>
+            </p:nvPicPr>
+            <p:blipFill rotWithShape="1">
+              <a:blip r:embed="rId5"/>
+              <a:srcRect l="15071" t="5696" r="16364" b="21027"/>
+              <a:stretch/>
+            </p:blipFill>
+            <p:spPr>
+              <a:xfrm>
+                <a:off x="-737306" y="3274302"/>
+                <a:ext cx="4645346" cy="3106836"/>
+              </a:xfrm>
+              <a:prstGeom prst="rect">
+                <a:avLst/>
+              </a:prstGeom>
+            </p:spPr>
+          </p:pic>
+        </p:grpSp>
+        <p:sp>
+          <p:nvSpPr>
+            <p:cNvPr id="20" name="Oval 19">
+              <a:extLst>
+                <a:ext uri="{FF2B5EF4-FFF2-40B4-BE49-F238E27FC236}">
+                  <a16:creationId xmlns:a16="http://schemas.microsoft.com/office/drawing/2014/main" id="{AC10DFDB-87CB-2181-F40F-69914990F01F}"/>
+                </a:ext>
+              </a:extLst>
+            </p:cNvPr>
+            <p:cNvSpPr>
+              <a:spLocks noChangeAspect="1"/>
+            </p:cNvSpPr>
+            <p:nvPr/>
+          </p:nvSpPr>
           <p:spPr>
             <a:xfrm>
-              <a:off x="878427" y="0"/>
-              <a:ext cx="1712373" cy="4323318"/>
+              <a:off x="759164" y="1926538"/>
+              <a:ext cx="508512" cy="508512"/>
+            </a:xfrm>
+            <a:prstGeom prst="ellipse">
+              <a:avLst/>
+            </a:prstGeom>
+            <a:solidFill>
+              <a:schemeClr val="accent2">
+                <a:lumMod val="60000"/>
+                <a:lumOff val="40000"/>
+              </a:schemeClr>
+            </a:solidFill>
+            <a:ln>
+              <a:noFill/>
+            </a:ln>
+          </p:spPr>
+          <p:style>
+            <a:lnRef idx="2">
+              <a:schemeClr val="accent1">
+                <a:shade val="15000"/>
+              </a:schemeClr>
+            </a:lnRef>
+            <a:fillRef idx="1">
+              <a:schemeClr val="accent1"/>
+            </a:fillRef>
+            <a:effectRef idx="0">
+              <a:schemeClr val="accent1"/>
+            </a:effectRef>
+            <a:fontRef idx="minor">
+              <a:schemeClr val="lt1"/>
+            </a:fontRef>
+          </p:style>
+          <p:txBody>
+            <a:bodyPr tIns="72000" bIns="108000" rtlCol="0" anchor="ctr"/>
+            <a:lstStyle/>
+            <a:p>
+              <a:pPr algn="ctr"/>
+              <a:r>
+                <a:rPr lang="en-GB" sz="2400" dirty="0">
+                  <a:latin typeface="Arial" panose="020B0604020202020204" pitchFamily="34" charset="0"/>
+                  <a:cs typeface="Arial" panose="020B0604020202020204" pitchFamily="34" charset="0"/>
+                </a:rPr>
+                <a:t>a</a:t>
+              </a:r>
+              <a:endParaRPr lang="en-SE" sz="2400" dirty="0">
+                <a:latin typeface="Arial" panose="020B0604020202020204" pitchFamily="34" charset="0"/>
+                <a:cs typeface="Arial" panose="020B0604020202020204" pitchFamily="34" charset="0"/>
+              </a:endParaRPr>
+            </a:p>
+          </p:txBody>
+        </p:sp>
+        <p:sp>
+          <p:nvSpPr>
+            <p:cNvPr id="21" name="Oval 20">
+              <a:extLst>
+                <a:ext uri="{FF2B5EF4-FFF2-40B4-BE49-F238E27FC236}">
+                  <a16:creationId xmlns:a16="http://schemas.microsoft.com/office/drawing/2014/main" id="{7B7E65E5-D0EA-1CB2-2B2F-426052726E2C}"/>
+                </a:ext>
+              </a:extLst>
+            </p:cNvPr>
+            <p:cNvSpPr>
+              <a:spLocks noChangeAspect="1"/>
+            </p:cNvSpPr>
+            <p:nvPr/>
+          </p:nvSpPr>
+          <p:spPr>
+            <a:xfrm>
+              <a:off x="941788" y="3761930"/>
+              <a:ext cx="508512" cy="508512"/>
+            </a:xfrm>
+            <a:prstGeom prst="ellipse">
+              <a:avLst/>
+            </a:prstGeom>
+            <a:solidFill>
+              <a:schemeClr val="accent2">
+                <a:lumMod val="60000"/>
+                <a:lumOff val="40000"/>
+              </a:schemeClr>
+            </a:solidFill>
+            <a:ln>
+              <a:noFill/>
+            </a:ln>
+          </p:spPr>
+          <p:style>
+            <a:lnRef idx="2">
+              <a:schemeClr val="accent1">
+                <a:shade val="15000"/>
+              </a:schemeClr>
+            </a:lnRef>
+            <a:fillRef idx="1">
+              <a:schemeClr val="accent1"/>
+            </a:fillRef>
+            <a:effectRef idx="0">
+              <a:schemeClr val="accent1"/>
+            </a:effectRef>
+            <a:fontRef idx="minor">
+              <a:schemeClr val="lt1"/>
+            </a:fontRef>
+          </p:style>
+          <p:txBody>
+            <a:bodyPr tIns="72000" bIns="108000" rtlCol="0" anchor="ctr"/>
+            <a:lstStyle/>
+            <a:p>
+              <a:pPr algn="ctr"/>
+              <a:r>
+                <a:rPr lang="en-GB" sz="2400" dirty="0">
+                  <a:latin typeface="Arial" panose="020B0604020202020204" pitchFamily="34" charset="0"/>
+                  <a:cs typeface="Arial" panose="020B0604020202020204" pitchFamily="34" charset="0"/>
+                </a:rPr>
+                <a:t>b</a:t>
+              </a:r>
+              <a:endParaRPr lang="en-SE" sz="2400" dirty="0">
+                <a:latin typeface="Arial" panose="020B0604020202020204" pitchFamily="34" charset="0"/>
+                <a:cs typeface="Arial" panose="020B0604020202020204" pitchFamily="34" charset="0"/>
+              </a:endParaRPr>
+            </a:p>
+          </p:txBody>
+        </p:sp>
+        <p:sp>
+          <p:nvSpPr>
+            <p:cNvPr id="23" name="Rectangle 22">
+              <a:extLst>
+                <a:ext uri="{FF2B5EF4-FFF2-40B4-BE49-F238E27FC236}">
+                  <a16:creationId xmlns:a16="http://schemas.microsoft.com/office/drawing/2014/main" id="{AA915A41-DEA3-900C-2E51-A06B46EC80CF}"/>
+                </a:ext>
+              </a:extLst>
+            </p:cNvPr>
+            <p:cNvSpPr/>
+            <p:nvPr/>
+          </p:nvSpPr>
+          <p:spPr>
+            <a:xfrm>
+              <a:off x="1424940" y="2902574"/>
+              <a:ext cx="2039620" cy="346086"/>
             </a:xfrm>
             <a:prstGeom prst="rect">
               <a:avLst/>
             </a:prstGeom>
+            <a:noFill/>
+            <a:ln w="28575">
+              <a:solidFill>
+                <a:srgbClr val="F4B183"/>
+              </a:solidFill>
+              <a:prstDash val="sysDot"/>
+            </a:ln>
           </p:spPr>
-        </p:pic>
-        <p:pic>
-          <p:nvPicPr>
-            <p:cNvPr id="16" name="Picture 15">
+          <p:style>
+            <a:lnRef idx="2">
+              <a:schemeClr val="accent1">
+                <a:shade val="15000"/>
+              </a:schemeClr>
+            </a:lnRef>
+            <a:fillRef idx="1">
+              <a:schemeClr val="accent1"/>
+            </a:fillRef>
+            <a:effectRef idx="0">
+              <a:schemeClr val="accent1"/>
+            </a:effectRef>
+            <a:fontRef idx="minor">
+              <a:schemeClr val="lt1"/>
+            </a:fontRef>
+          </p:style>
+          <p:txBody>
+            <a:bodyPr rtlCol="0" anchor="ctr"/>
+            <a:lstStyle/>
+            <a:p>
+              <a:pPr algn="ctr"/>
+              <a:endParaRPr lang="en-SE"/>
+            </a:p>
+          </p:txBody>
+        </p:sp>
+        <p:sp>
+          <p:nvSpPr>
+            <p:cNvPr id="22" name="Oval 21">
               <a:extLst>
                 <a:ext uri="{FF2B5EF4-FFF2-40B4-BE49-F238E27FC236}">
-                  <a16:creationId xmlns:a16="http://schemas.microsoft.com/office/drawing/2014/main" id="{D28A5F3C-D07A-E467-DB20-488E040DC561}"/>
+                  <a16:creationId xmlns:a16="http://schemas.microsoft.com/office/drawing/2014/main" id="{7735833B-C1B4-9944-99B2-A184DAAFFE76}"/>
                 </a:ext>
               </a:extLst>
             </p:cNvPr>
-            <p:cNvPicPr>
-              <a:picLocks noChangeAspect="1"/>
-            </p:cNvPicPr>
+            <p:cNvSpPr>
+              <a:spLocks noChangeAspect="1"/>
+            </p:cNvSpPr>
             <p:nvPr/>
-          </p:nvPicPr>
-          <p:blipFill>
-            <a:blip r:embed="rId3"/>
-            <a:stretch>
-              <a:fillRect/>
-            </a:stretch>
-          </p:blipFill>
+          </p:nvSpPr>
           <p:spPr>
             <a:xfrm>
-              <a:off x="2590800" y="0"/>
-              <a:ext cx="1716611" cy="4323318"/>
+              <a:off x="3023726" y="2554691"/>
+              <a:ext cx="508512" cy="508512"/>
             </a:xfrm>
-            <a:prstGeom prst="rect">
+            <a:prstGeom prst="ellipse">
               <a:avLst/>
             </a:prstGeom>
+            <a:solidFill>
+              <a:schemeClr val="accent2">
+                <a:lumMod val="60000"/>
+                <a:lumOff val="40000"/>
+              </a:schemeClr>
+            </a:solidFill>
+            <a:ln>
+              <a:noFill/>
+            </a:ln>
           </p:spPr>
-        </p:pic>
-        <p:pic>
-          <p:nvPicPr>
-            <p:cNvPr id="18" name="Picture 17">
-              <a:extLst>
-                <a:ext uri="{FF2B5EF4-FFF2-40B4-BE49-F238E27FC236}">
-                  <a16:creationId xmlns:a16="http://schemas.microsoft.com/office/drawing/2014/main" id="{DD13FA34-E932-8DB2-796D-5DC5888C7A8B}"/>
-                </a:ext>
-              </a:extLst>
-            </p:cNvPr>
-            <p:cNvPicPr>
-              <a:picLocks noChangeAspect="1"/>
-            </p:cNvPicPr>
-            <p:nvPr/>
-          </p:nvPicPr>
-          <p:blipFill rotWithShape="1">
-            <a:blip r:embed="rId4"/>
-            <a:srcRect b="2026"/>
-            <a:stretch/>
-          </p:blipFill>
-          <p:spPr>
-            <a:xfrm>
-              <a:off x="4307411" y="0"/>
-              <a:ext cx="4737707" cy="4236720"/>
-            </a:xfrm>
-            <a:prstGeom prst="rect">
-              <a:avLst/>
-            </a:prstGeom>
-          </p:spPr>
-        </p:pic>
-      </p:grpSp>
-      <p:pic>
-        <p:nvPicPr>
-          <p:cNvPr id="14" name="Picture 13">
-            <a:extLst>
-              <a:ext uri="{FF2B5EF4-FFF2-40B4-BE49-F238E27FC236}">
-                <a16:creationId xmlns:a16="http://schemas.microsoft.com/office/drawing/2014/main" id="{E4AA8AA7-4A1E-5FCE-B170-8F63828039D6}"/>
-              </a:ext>
-            </a:extLst>
-          </p:cNvPr>
-          <p:cNvPicPr>
-            <a:picLocks noChangeAspect="1"/>
-          </p:cNvPicPr>
-          <p:nvPr/>
-        </p:nvPicPr>
-        <p:blipFill rotWithShape="1">
-          <a:blip r:embed="rId5"/>
-          <a:srcRect l="14375" r="15079" b="21239"/>
-          <a:stretch/>
-        </p:blipFill>
-        <p:spPr>
-          <a:xfrm>
-            <a:off x="-9678" y="2895600"/>
-            <a:ext cx="3695701" cy="2590800"/>
-          </a:xfrm>
-          <a:prstGeom prst="rect">
-            <a:avLst/>
-          </a:prstGeom>
-        </p:spPr>
-      </p:pic>
-      <p:sp>
-        <p:nvSpPr>
-          <p:cNvPr id="20" name="Oval 19">
-            <a:extLst>
-              <a:ext uri="{FF2B5EF4-FFF2-40B4-BE49-F238E27FC236}">
-                <a16:creationId xmlns:a16="http://schemas.microsoft.com/office/drawing/2014/main" id="{AC10DFDB-87CB-2181-F40F-69914990F01F}"/>
-              </a:ext>
-            </a:extLst>
-          </p:cNvPr>
-          <p:cNvSpPr>
-            <a:spLocks noChangeAspect="1"/>
-          </p:cNvSpPr>
-          <p:nvPr/>
-        </p:nvSpPr>
-        <p:spPr>
-          <a:xfrm>
-            <a:off x="1196044" y="1675078"/>
-            <a:ext cx="508512" cy="508512"/>
-          </a:xfrm>
-          <a:prstGeom prst="ellipse">
-            <a:avLst/>
-          </a:prstGeom>
-          <a:solidFill>
-            <a:schemeClr val="accent2">
-              <a:lumMod val="60000"/>
-              <a:lumOff val="40000"/>
-            </a:schemeClr>
-          </a:solidFill>
-          <a:ln>
-            <a:noFill/>
-          </a:ln>
-        </p:spPr>
-        <p:style>
-          <a:lnRef idx="2">
-            <a:schemeClr val="accent1">
-              <a:shade val="15000"/>
-            </a:schemeClr>
-          </a:lnRef>
-          <a:fillRef idx="1">
-            <a:schemeClr val="accent1"/>
-          </a:fillRef>
-          <a:effectRef idx="0">
-            <a:schemeClr val="accent1"/>
-          </a:effectRef>
-          <a:fontRef idx="minor">
-            <a:schemeClr val="lt1"/>
-          </a:fontRef>
-        </p:style>
-        <p:txBody>
-          <a:bodyPr tIns="72000" bIns="108000" rtlCol="0" anchor="ctr"/>
-          <a:lstStyle/>
-          <a:p>
-            <a:pPr algn="ctr"/>
-            <a:r>
-              <a:rPr lang="en-GB" sz="2400" dirty="0">
+          <p:style>
+            <a:lnRef idx="2">
+              <a:schemeClr val="accent1">
+                <a:shade val="15000"/>
+              </a:schemeClr>
+            </a:lnRef>
+            <a:fillRef idx="1">
+              <a:schemeClr val="accent1"/>
+            </a:fillRef>
+            <a:effectRef idx="0">
+              <a:schemeClr val="accent1"/>
+            </a:effectRef>
+            <a:fontRef idx="minor">
+              <a:schemeClr val="lt1"/>
+            </a:fontRef>
+          </p:style>
+          <p:txBody>
+            <a:bodyPr tIns="72000" bIns="108000" rtlCol="0" anchor="ctr"/>
+            <a:lstStyle/>
+            <a:p>
+              <a:pPr algn="ctr"/>
+              <a:r>
+                <a:rPr lang="en-GB" sz="2400" dirty="0">
+                  <a:latin typeface="Arial" panose="020B0604020202020204" pitchFamily="34" charset="0"/>
+                  <a:cs typeface="Arial" panose="020B0604020202020204" pitchFamily="34" charset="0"/>
+                </a:rPr>
+                <a:t>c</a:t>
+              </a:r>
+              <a:endParaRPr lang="en-SE" sz="2400" dirty="0">
                 <a:latin typeface="Arial" panose="020B0604020202020204" pitchFamily="34" charset="0"/>
                 <a:cs typeface="Arial" panose="020B0604020202020204" pitchFamily="34" charset="0"/>
-              </a:rPr>
-              <a:t>a</a:t>
-            </a:r>
-            <a:endParaRPr lang="en-SE" sz="2400" dirty="0">
-              <a:latin typeface="Arial" panose="020B0604020202020204" pitchFamily="34" charset="0"/>
-              <a:cs typeface="Arial" panose="020B0604020202020204" pitchFamily="34" charset="0"/>
-            </a:endParaRPr>
-          </a:p>
-        </p:txBody>
-      </p:sp>
-      <p:sp>
-        <p:nvSpPr>
-          <p:cNvPr id="21" name="Oval 20">
-            <a:extLst>
-              <a:ext uri="{FF2B5EF4-FFF2-40B4-BE49-F238E27FC236}">
-                <a16:creationId xmlns:a16="http://schemas.microsoft.com/office/drawing/2014/main" id="{7B7E65E5-D0EA-1CB2-2B2F-426052726E2C}"/>
-              </a:ext>
-            </a:extLst>
-          </p:cNvPr>
-          <p:cNvSpPr>
-            <a:spLocks noChangeAspect="1"/>
-          </p:cNvSpPr>
-          <p:nvPr/>
-        </p:nvSpPr>
-        <p:spPr>
-          <a:xfrm>
-            <a:off x="789001" y="3980370"/>
-            <a:ext cx="508512" cy="508512"/>
-          </a:xfrm>
-          <a:prstGeom prst="ellipse">
-            <a:avLst/>
-          </a:prstGeom>
-          <a:solidFill>
-            <a:schemeClr val="accent2">
-              <a:lumMod val="60000"/>
-              <a:lumOff val="40000"/>
-            </a:schemeClr>
-          </a:solidFill>
-          <a:ln>
-            <a:noFill/>
-          </a:ln>
-        </p:spPr>
-        <p:style>
-          <a:lnRef idx="2">
-            <a:schemeClr val="accent1">
-              <a:shade val="15000"/>
-            </a:schemeClr>
-          </a:lnRef>
-          <a:fillRef idx="1">
-            <a:schemeClr val="accent1"/>
-          </a:fillRef>
-          <a:effectRef idx="0">
-            <a:schemeClr val="accent1"/>
-          </a:effectRef>
-          <a:fontRef idx="minor">
-            <a:schemeClr val="lt1"/>
-          </a:fontRef>
-        </p:style>
-        <p:txBody>
-          <a:bodyPr tIns="72000" bIns="108000" rtlCol="0" anchor="ctr"/>
-          <a:lstStyle/>
-          <a:p>
-            <a:pPr algn="ctr"/>
-            <a:r>
-              <a:rPr lang="en-GB" sz="2400" dirty="0">
-                <a:latin typeface="Arial" panose="020B0604020202020204" pitchFamily="34" charset="0"/>
-                <a:cs typeface="Arial" panose="020B0604020202020204" pitchFamily="34" charset="0"/>
-              </a:rPr>
-              <a:t>b</a:t>
-            </a:r>
-            <a:endParaRPr lang="en-SE" sz="2400" dirty="0">
-              <a:latin typeface="Arial" panose="020B0604020202020204" pitchFamily="34" charset="0"/>
-              <a:cs typeface="Arial" panose="020B0604020202020204" pitchFamily="34" charset="0"/>
-            </a:endParaRPr>
-          </a:p>
-        </p:txBody>
-      </p:sp>
-      <p:sp>
-        <p:nvSpPr>
-          <p:cNvPr id="23" name="Rectangle 22">
-            <a:extLst>
-              <a:ext uri="{FF2B5EF4-FFF2-40B4-BE49-F238E27FC236}">
-                <a16:creationId xmlns:a16="http://schemas.microsoft.com/office/drawing/2014/main" id="{AA915A41-DEA3-900C-2E51-A06B46EC80CF}"/>
-              </a:ext>
-            </a:extLst>
-          </p:cNvPr>
-          <p:cNvSpPr/>
-          <p:nvPr/>
-        </p:nvSpPr>
-        <p:spPr>
-          <a:xfrm>
-            <a:off x="1866814" y="2562214"/>
-            <a:ext cx="1729054" cy="292746"/>
-          </a:xfrm>
-          <a:prstGeom prst="rect">
-            <a:avLst/>
-          </a:prstGeom>
-          <a:noFill/>
-          <a:ln w="28575">
-            <a:solidFill>
-              <a:srgbClr val="F4B183"/>
-            </a:solidFill>
-            <a:prstDash val="sysDot"/>
-          </a:ln>
-        </p:spPr>
-        <p:style>
-          <a:lnRef idx="2">
-            <a:schemeClr val="accent1">
-              <a:shade val="15000"/>
-            </a:schemeClr>
-          </a:lnRef>
-          <a:fillRef idx="1">
-            <a:schemeClr val="accent1"/>
-          </a:fillRef>
-          <a:effectRef idx="0">
-            <a:schemeClr val="accent1"/>
-          </a:effectRef>
-          <a:fontRef idx="minor">
-            <a:schemeClr val="lt1"/>
-          </a:fontRef>
-        </p:style>
-        <p:txBody>
-          <a:bodyPr rtlCol="0" anchor="ctr"/>
-          <a:lstStyle/>
-          <a:p>
-            <a:pPr algn="ctr"/>
-            <a:endParaRPr lang="en-SE"/>
-          </a:p>
-        </p:txBody>
-      </p:sp>
-      <p:sp>
-        <p:nvSpPr>
-          <p:cNvPr id="22" name="Oval 21">
-            <a:extLst>
-              <a:ext uri="{FF2B5EF4-FFF2-40B4-BE49-F238E27FC236}">
-                <a16:creationId xmlns:a16="http://schemas.microsoft.com/office/drawing/2014/main" id="{7735833B-C1B4-9944-99B2-A184DAAFFE76}"/>
-              </a:ext>
-            </a:extLst>
-          </p:cNvPr>
-          <p:cNvSpPr>
-            <a:spLocks noChangeAspect="1"/>
-          </p:cNvSpPr>
-          <p:nvPr/>
-        </p:nvSpPr>
-        <p:spPr>
-          <a:xfrm>
-            <a:off x="3036778" y="2163189"/>
-            <a:ext cx="508512" cy="508512"/>
-          </a:xfrm>
-          <a:prstGeom prst="ellipse">
-            <a:avLst/>
-          </a:prstGeom>
-          <a:solidFill>
-            <a:schemeClr val="accent2">
-              <a:lumMod val="60000"/>
-              <a:lumOff val="40000"/>
-            </a:schemeClr>
-          </a:solidFill>
-          <a:ln>
-            <a:noFill/>
-          </a:ln>
-        </p:spPr>
-        <p:style>
-          <a:lnRef idx="2">
-            <a:schemeClr val="accent1">
-              <a:shade val="15000"/>
-            </a:schemeClr>
-          </a:lnRef>
-          <a:fillRef idx="1">
-            <a:schemeClr val="accent1"/>
-          </a:fillRef>
-          <a:effectRef idx="0">
-            <a:schemeClr val="accent1"/>
-          </a:effectRef>
-          <a:fontRef idx="minor">
-            <a:schemeClr val="lt1"/>
-          </a:fontRef>
-        </p:style>
-        <p:txBody>
-          <a:bodyPr tIns="72000" bIns="108000" rtlCol="0" anchor="ctr"/>
-          <a:lstStyle/>
-          <a:p>
-            <a:pPr algn="ctr"/>
-            <a:r>
-              <a:rPr lang="en-GB" sz="2400" dirty="0">
-                <a:latin typeface="Arial" panose="020B0604020202020204" pitchFamily="34" charset="0"/>
-                <a:cs typeface="Arial" panose="020B0604020202020204" pitchFamily="34" charset="0"/>
-              </a:rPr>
-              <a:t>c</a:t>
-            </a:r>
-            <a:endParaRPr lang="en-SE" sz="2400" dirty="0">
-              <a:latin typeface="Arial" panose="020B0604020202020204" pitchFamily="34" charset="0"/>
-              <a:cs typeface="Arial" panose="020B0604020202020204" pitchFamily="34" charset="0"/>
-            </a:endParaRPr>
-          </a:p>
-        </p:txBody>
-      </p:sp>
+              </a:endParaRPr>
+            </a:p>
+          </p:txBody>
+        </p:sp>
+      </p:grpSp>
     </p:spTree>
     <p:extLst>
       <p:ext uri="{BB962C8B-B14F-4D97-AF65-F5344CB8AC3E}">
